--- a/In Progress Files/Case_Study_1_v2[555].pptx
+++ b/In Progress Files/Case_Study_1_v2[555].pptx
@@ -927,7 +927,7 @@
 <dgm:dataModel xmlns:dgm="http://schemas.openxmlformats.org/drawingml/2006/diagram" xmlns:a="http://schemas.openxmlformats.org/drawingml/2006/main">
   <dgm:ptLst>
     <dgm:pt modelId="{A3040AEB-A73F-40E7-902C-A3FEA288DD49}" type="doc">
-      <dgm:prSet loTypeId="urn:microsoft.com/office/officeart/2005/8/layout/process1" loCatId="process" qsTypeId="urn:microsoft.com/office/officeart/2005/8/quickstyle/simple1" qsCatId="simple" csTypeId="urn:microsoft.com/office/officeart/2005/8/colors/colorful2" csCatId="colorful"/>
+      <dgm:prSet loTypeId="urn:microsoft.com/office/officeart/2005/8/layout/process1" loCatId="process" qsTypeId="urn:microsoft.com/office/officeart/2005/8/quickstyle/simple1" qsCatId="simple" csTypeId="urn:microsoft.com/office/officeart/2005/8/colors/colorful2" csCatId="colorful" phldr="1"/>
       <dgm:spPr/>
       <dgm:t>
         <a:bodyPr/>
@@ -981,8 +981,8 @@
         <a:lstStyle/>
         <a:p>
           <a:r>
-            <a:rPr lang="en-US"/>
-            <a:t>After computing the covariances of IBU and ABV, we observed a 67% relationship between the two variables. Allowing us to conclude that there is statistical significance to believe that a higher level of hops (or bittering agent) will also yield us a generally higher ABV.</a:t>
+            <a:rPr lang="en-US" dirty="0"/>
+            <a:t>After computing the variations of IBU and ABV, we observed a 67% relationship between the two variables. Allowing us to conclude that there is statistical significance to believe that a higher level of hops (or bittering agent) will also yield us a generally higher ABV.</a:t>
           </a:r>
         </a:p>
       </dgm:t>
@@ -1291,8 +1291,8 @@
             <a:buNone/>
           </a:pPr>
           <a:r>
-            <a:rPr lang="en-US" sz="1200" kern="1200"/>
-            <a:t>After computing the covariances of IBU and ABV, we observed a 67% relationship between the two variables. Allowing us to conclude that there is statistical significance to believe that a higher level of hops (or bittering agent) will also yield us a generally higher ABV.</a:t>
+            <a:rPr lang="en-US" sz="1200" kern="1200" dirty="0"/>
+            <a:t>After computing the variations of IBU and ABV, we observed a 67% relationship between the two variables. Allowing us to conclude that there is statistical significance to believe that a higher level of hops (or bittering agent) will also yield us a generally higher ABV.</a:t>
           </a:r>
         </a:p>
       </dsp:txBody>
@@ -6764,13 +6764,21 @@
           <a:p>
             <a:pPr algn="l"/>
             <a:r>
-              <a:rPr lang="en-US" sz="1600" dirty="0"/>
+              <a:rPr lang="en-US" sz="1600" dirty="0">
+                <a:solidFill>
+                  <a:schemeClr val="tx1"/>
+                </a:solidFill>
+              </a:rPr>
               <a:t>We wanted to examine the products and the locations of the max values for both variables we’d been observing.</a:t>
             </a:r>
           </a:p>
           <a:p>
             <a:pPr algn="l"/>
-            <a:endParaRPr lang="en-US" sz="1600" dirty="0"/>
+            <a:endParaRPr lang="en-US" sz="1600" dirty="0">
+              <a:solidFill>
+                <a:schemeClr val="tx1"/>
+              </a:solidFill>
+            </a:endParaRPr>
           </a:p>
           <a:p>
             <a:pPr marL="285750" indent="-285750" algn="l">
@@ -6778,19 +6786,35 @@
               <a:buChar char="•"/>
             </a:pPr>
             <a:r>
-              <a:rPr lang="en-US" sz="1600" b="1" dirty="0"/>
+              <a:rPr lang="en-US" sz="1600" b="1" dirty="0">
+                <a:solidFill>
+                  <a:schemeClr val="tx1"/>
+                </a:solidFill>
+              </a:rPr>
               <a:t>MAX IBU: </a:t>
             </a:r>
             <a:r>
-              <a:rPr lang="en-US" sz="1600" dirty="0"/>
+              <a:rPr lang="en-US" sz="1600" dirty="0">
+                <a:solidFill>
+                  <a:schemeClr val="tx1"/>
+                </a:solidFill>
+              </a:rPr>
               <a:t>Astoria, OR produces the highest IBU at 138 as an </a:t>
             </a:r>
             <a:r>
-              <a:rPr lang="en-US" sz="1600" b="1" dirty="0"/>
+              <a:rPr lang="en-US" sz="1600" b="1" dirty="0">
+                <a:solidFill>
+                  <a:schemeClr val="tx1"/>
+                </a:solidFill>
+              </a:rPr>
               <a:t>American Double/Imperial IPA</a:t>
             </a:r>
             <a:r>
-              <a:rPr lang="en-US" sz="1600" dirty="0"/>
+              <a:rPr lang="en-US" sz="1600" dirty="0">
+                <a:solidFill>
+                  <a:schemeClr val="tx1"/>
+                </a:solidFill>
+              </a:rPr>
               <a:t> from Astoria Brewing Company with a beer named the "Bitter Bitch Imperial IPA".</a:t>
             </a:r>
           </a:p>
@@ -6800,27 +6824,51 @@
               <a:buChar char="•"/>
             </a:pPr>
             <a:r>
-              <a:rPr lang="en-US" sz="1600" b="1" dirty="0"/>
+              <a:rPr lang="en-US" sz="1600" b="1" dirty="0">
+                <a:solidFill>
+                  <a:schemeClr val="tx1"/>
+                </a:solidFill>
+              </a:rPr>
               <a:t>MAX ABV: </a:t>
             </a:r>
             <a:r>
-              <a:rPr lang="en-US" sz="1600" dirty="0"/>
+              <a:rPr lang="en-US" sz="1600" dirty="0">
+                <a:solidFill>
+                  <a:schemeClr val="tx1"/>
+                </a:solidFill>
+              </a:rPr>
               <a:t>Boulder, CO produces the highest ABV at 12.8% from brewery Upslope Brewing Company for beer Lee Hill Series Vol. 5 - a </a:t>
             </a:r>
             <a:r>
-              <a:rPr lang="en-US" sz="1600" b="1" dirty="0"/>
+              <a:rPr lang="en-US" sz="1600" b="1" dirty="0">
+                <a:solidFill>
+                  <a:schemeClr val="tx1"/>
+                </a:solidFill>
+              </a:rPr>
               <a:t>Belgian Style </a:t>
             </a:r>
             <a:r>
-              <a:rPr lang="en-US" sz="1600" b="1" dirty="0" err="1"/>
+              <a:rPr lang="en-US" sz="1600" b="1" dirty="0" err="1">
+                <a:solidFill>
+                  <a:schemeClr val="tx1"/>
+                </a:solidFill>
+              </a:rPr>
               <a:t>Quadrupel</a:t>
             </a:r>
             <a:r>
-              <a:rPr lang="en-US" sz="1600" b="1" dirty="0"/>
+              <a:rPr lang="en-US" sz="1600" b="1" dirty="0">
+                <a:solidFill>
+                  <a:schemeClr val="tx1"/>
+                </a:solidFill>
+              </a:rPr>
               <a:t> Ale</a:t>
             </a:r>
             <a:r>
-              <a:rPr lang="en-US" sz="1600" dirty="0"/>
+              <a:rPr lang="en-US" sz="1600" dirty="0">
+                <a:solidFill>
+                  <a:schemeClr val="tx1"/>
+                </a:solidFill>
+              </a:rPr>
               <a:t>.</a:t>
             </a:r>
           </a:p>
@@ -7000,7 +7048,7 @@
         </p:nvSpPr>
         <p:spPr>
           <a:xfrm>
-            <a:off x="2964741" y="447188"/>
+            <a:off x="2968531" y="141556"/>
             <a:ext cx="5497554" cy="757805"/>
           </a:xfrm>
           <a:prstGeom prst="rect">
@@ -7050,7 +7098,7 @@
           <p:nvPr>
             <p:extLst>
               <p:ext uri="{D42A27DB-BD31-4B8C-83A1-F6EECF244321}">
-                <p14:modId xmlns:p14="http://schemas.microsoft.com/office/powerpoint/2010/main" val="3363735864"/>
+                <p14:modId xmlns:p14="http://schemas.microsoft.com/office/powerpoint/2010/main" val="1210433954"/>
               </p:ext>
             </p:extLst>
           </p:nvPr>
@@ -7065,30 +7113,6 @@
           </a:graphicData>
         </a:graphic>
       </p:graphicFrame>
-      <p:pic>
-        <p:nvPicPr>
-          <p:cNvPr id="5" name="Picture 4"/>
-          <p:cNvPicPr>
-            <a:picLocks noChangeAspect="1"/>
-          </p:cNvPicPr>
-          <p:nvPr/>
-        </p:nvPicPr>
-        <p:blipFill>
-          <a:blip r:embed="rId8"/>
-          <a:stretch>
-            <a:fillRect/>
-          </a:stretch>
-        </p:blipFill>
-        <p:spPr>
-          <a:xfrm>
-            <a:off x="2389605" y="1354240"/>
-            <a:ext cx="6339974" cy="3117969"/>
-          </a:xfrm>
-          <a:prstGeom prst="rect">
-            <a:avLst/>
-          </a:prstGeom>
-        </p:spPr>
-      </p:pic>
       <p:sp>
         <p:nvSpPr>
           <p:cNvPr id="10" name="Rectangle 9">
@@ -7150,7 +7174,7 @@
         </p:nvSpPr>
         <p:spPr>
           <a:xfrm>
-            <a:off x="3193437" y="1110056"/>
+            <a:off x="3353254" y="731862"/>
             <a:ext cx="5040162" cy="246221"/>
           </a:xfrm>
           <a:prstGeom prst="rect">
@@ -7171,6 +7195,36 @@
           </a:p>
         </p:txBody>
       </p:sp>
+      <p:pic>
+        <p:nvPicPr>
+          <p:cNvPr id="9" name="Picture 8">
+            <a:extLst>
+              <a:ext uri="{FF2B5EF4-FFF2-40B4-BE49-F238E27FC236}">
+                <a16:creationId xmlns:a16="http://schemas.microsoft.com/office/drawing/2014/main" id="{6EE4562E-76E9-442A-A12B-0D05D8EAD313}"/>
+              </a:ext>
+            </a:extLst>
+          </p:cNvPr>
+          <p:cNvPicPr>
+            <a:picLocks noChangeAspect="1"/>
+          </p:cNvPicPr>
+          <p:nvPr/>
+        </p:nvPicPr>
+        <p:blipFill>
+          <a:blip r:embed="rId8"/>
+          <a:stretch>
+            <a:fillRect/>
+          </a:stretch>
+        </p:blipFill>
+        <p:spPr>
+          <a:xfrm>
+            <a:off x="2968530" y="945495"/>
+            <a:ext cx="5718269" cy="3528989"/>
+          </a:xfrm>
+          <a:prstGeom prst="rect">
+            <a:avLst/>
+          </a:prstGeom>
+        </p:spPr>
+      </p:pic>
     </p:spTree>
     <p:extLst>
       <p:ext uri="{BB962C8B-B14F-4D97-AF65-F5344CB8AC3E}">
@@ -16032,7 +16086,7 @@
         <p:spPr>
           <a:xfrm>
             <a:off x="3330515" y="3475037"/>
-            <a:ext cx="3483429" cy="707886"/>
+            <a:ext cx="4441885" cy="1477328"/>
           </a:xfrm>
           <a:prstGeom prst="rect">
             <a:avLst/>
@@ -16046,7 +16100,7 @@
           <a:lstStyle/>
           <a:p>
             <a:r>
-              <a:rPr lang="en-US" sz="1000" dirty="0"/>
+              <a:rPr lang="en-US" dirty="0"/>
               <a:t>In this table we can observe the number of beers that are offered in each state established by the provided data. We have added a ranking column to assist in sorting the data in for a much more quick reference.</a:t>
             </a:r>
           </a:p>
@@ -16418,26 +16472,46 @@
           <a:p>
             <a:pPr algn="l"/>
             <a:r>
-              <a:rPr lang="en-US" sz="2000" dirty="0"/>
+              <a:rPr lang="en-US" sz="2000" dirty="0">
+                <a:solidFill>
+                  <a:schemeClr val="tx1"/>
+                </a:solidFill>
+              </a:rPr>
               <a:t>Beer </a:t>
             </a:r>
             <a:r>
-              <a:rPr lang="en-US" sz="2000" dirty="0" err="1"/>
+              <a:rPr lang="en-US" sz="2000" dirty="0" err="1">
+                <a:solidFill>
+                  <a:schemeClr val="tx1"/>
+                </a:solidFill>
+              </a:rPr>
               <a:t>O’Clock</a:t>
             </a:r>
             <a:r>
-              <a:rPr lang="en-US" sz="2000" dirty="0"/>
+              <a:rPr lang="en-US" sz="2000" dirty="0">
+                <a:solidFill>
+                  <a:schemeClr val="tx1"/>
+                </a:solidFill>
+              </a:rPr>
               <a:t> is pursuing a product that goes against the current hoppy trend. The goal is to offer a product that has a higher alcohol content by volume (ABV) than the median of the current market, while being below the median IBU (or bitterness) level that comes from hops.</a:t>
             </a:r>
           </a:p>
           <a:p>
             <a:pPr algn="l"/>
-            <a:endParaRPr lang="en-US" sz="2000" dirty="0"/>
+            <a:endParaRPr lang="en-US" sz="2000" dirty="0">
+              <a:solidFill>
+                <a:schemeClr val="tx1"/>
+              </a:solidFill>
+            </a:endParaRPr>
           </a:p>
           <a:p>
             <a:pPr algn="l"/>
             <a:r>
-              <a:rPr lang="en-US" sz="2000" dirty="0"/>
+              <a:rPr lang="en-US" sz="2000" dirty="0">
+                <a:solidFill>
+                  <a:schemeClr val="tx1"/>
+                </a:solidFill>
+              </a:rPr>
               <a:t>This is a study the of the ABV and the International Bitterness Units (IBU) contained in your competitors’ products.  </a:t>
             </a:r>
           </a:p>
@@ -16732,40 +16806,72 @@
           <a:p>
             <a:pPr algn="l"/>
             <a:r>
-              <a:rPr lang="en-US" sz="1800" dirty="0"/>
+              <a:rPr lang="en-US" sz="1800" dirty="0">
+                <a:solidFill>
+                  <a:schemeClr val="tx1"/>
+                </a:solidFill>
+              </a:rPr>
               <a:t>Our goal is to determine how the Beer </a:t>
             </a:r>
             <a:r>
-              <a:rPr lang="en-US" sz="1800" dirty="0" err="1"/>
+              <a:rPr lang="en-US" sz="1800" dirty="0" err="1">
+                <a:solidFill>
+                  <a:schemeClr val="tx1"/>
+                </a:solidFill>
+              </a:rPr>
               <a:t>O’Clock’s</a:t>
             </a:r>
             <a:r>
-              <a:rPr lang="en-US" sz="1800" dirty="0"/>
+              <a:rPr lang="en-US" sz="1800" dirty="0">
+                <a:solidFill>
+                  <a:schemeClr val="tx1"/>
+                </a:solidFill>
+              </a:rPr>
               <a:t> new product (high ABV and lower IBU) will compare with the  competition’s products and if there is a correlation of ABV to IBU and ultimately discovering if that will have an impact on creating target product.</a:t>
             </a:r>
           </a:p>
           <a:p>
             <a:pPr algn="l"/>
-            <a:endParaRPr lang="en-US" sz="1800" dirty="0"/>
+            <a:endParaRPr lang="en-US" sz="1800" dirty="0">
+              <a:solidFill>
+                <a:schemeClr val="tx1"/>
+              </a:solidFill>
+            </a:endParaRPr>
           </a:p>
           <a:p>
             <a:pPr algn="l"/>
             <a:r>
-              <a:rPr lang="en-US" sz="1800" dirty="0"/>
+              <a:rPr lang="en-US" sz="1800" dirty="0">
+                <a:solidFill>
+                  <a:schemeClr val="tx1"/>
+                </a:solidFill>
+              </a:rPr>
               <a:t>Beer </a:t>
             </a:r>
             <a:r>
-              <a:rPr lang="en-US" sz="1800" dirty="0" err="1"/>
+              <a:rPr lang="en-US" sz="1800" dirty="0" err="1">
+                <a:solidFill>
+                  <a:schemeClr val="tx1"/>
+                </a:solidFill>
+              </a:rPr>
               <a:t>O'Clock</a:t>
             </a:r>
             <a:r>
-              <a:rPr lang="en-US" sz="1800" dirty="0"/>
+              <a:rPr lang="en-US" sz="1800" dirty="0">
+                <a:solidFill>
+                  <a:schemeClr val="tx1"/>
+                </a:solidFill>
+              </a:rPr>
               <a:t>  is planning to initially offer new beer in it’s base state of Texas, but they are also interested in selling the new product in other nearby states:</a:t>
             </a:r>
           </a:p>
           <a:p>
             <a:pPr algn="l"/>
-            <a:endParaRPr lang="en-US" sz="1600" dirty="0"/>
+            <a:endParaRPr lang="en-US" sz="1600" dirty="0">
+              <a:solidFill>
+                <a:schemeClr val="tx1"/>
+              </a:solidFill>
+            </a:endParaRPr>
           </a:p>
           <a:p>
             <a:pPr marL="1828800" lvl="3" indent="-457200" algn="l">
@@ -16773,7 +16879,11 @@
               <a:buChar char="o"/>
             </a:pPr>
             <a:r>
-              <a:rPr lang="en-US" dirty="0"/>
+              <a:rPr lang="en-US" dirty="0">
+                <a:solidFill>
+                  <a:schemeClr val="tx1"/>
+                </a:solidFill>
+              </a:rPr>
               <a:t>Arkansas</a:t>
             </a:r>
           </a:p>
@@ -16783,7 +16893,11 @@
               <a:buChar char="o"/>
             </a:pPr>
             <a:r>
-              <a:rPr lang="en-US" dirty="0"/>
+              <a:rPr lang="en-US" dirty="0">
+                <a:solidFill>
+                  <a:schemeClr val="tx1"/>
+                </a:solidFill>
+              </a:rPr>
               <a:t>Colorado</a:t>
             </a:r>
           </a:p>
@@ -16793,7 +16907,11 @@
               <a:buChar char="o"/>
             </a:pPr>
             <a:r>
-              <a:rPr lang="en-US" dirty="0"/>
+              <a:rPr lang="en-US" dirty="0">
+                <a:solidFill>
+                  <a:schemeClr val="tx1"/>
+                </a:solidFill>
+              </a:rPr>
               <a:t>Louisiana</a:t>
             </a:r>
           </a:p>
@@ -16803,16 +16921,18 @@
               <a:buChar char="o"/>
             </a:pPr>
             <a:r>
-              <a:rPr lang="en-US" dirty="0"/>
+              <a:rPr lang="en-US" dirty="0">
+                <a:solidFill>
+                  <a:schemeClr val="tx1"/>
+                </a:solidFill>
+              </a:rPr>
               <a:t>Oklahoma</a:t>
             </a:r>
-          </a:p>
-          <a:p>
-            <a:pPr lvl="1"/>
-            <a:endParaRPr lang="en-US" dirty="0"/>
-          </a:p>
-          <a:p>
-            <a:endParaRPr lang="en-US" sz="1600" dirty="0"/>
+            <a:endParaRPr lang="en-US" sz="1600" dirty="0">
+              <a:solidFill>
+                <a:schemeClr val="tx1"/>
+              </a:solidFill>
+            </a:endParaRPr>
           </a:p>
         </p:txBody>
       </p:sp>
@@ -25832,39 +25952,63 @@
           <a:p>
             <a:pPr algn="l"/>
             <a:r>
-              <a:rPr lang="en-US" sz="1800" dirty="0"/>
+              <a:rPr lang="en-US" sz="1800" dirty="0">
+                <a:solidFill>
+                  <a:schemeClr val="tx1"/>
+                </a:solidFill>
+              </a:rPr>
               <a:t>Diving into this we wanted to run some basic analysis and find our benchmarks and possibly any initial correlations that we might be able to conclude:</a:t>
             </a:r>
           </a:p>
           <a:p>
             <a:pPr algn="l"/>
-            <a:endParaRPr lang="en-US" sz="1800" dirty="0"/>
+            <a:endParaRPr lang="en-US" sz="1800" dirty="0">
+              <a:solidFill>
+                <a:schemeClr val="tx1"/>
+              </a:solidFill>
+            </a:endParaRPr>
           </a:p>
           <a:p>
             <a:pPr algn="l"/>
             <a:r>
-              <a:rPr lang="en-US" sz="1800" dirty="0"/>
+              <a:rPr lang="en-US" sz="1800" dirty="0">
+                <a:solidFill>
+                  <a:schemeClr val="tx1"/>
+                </a:solidFill>
+              </a:rPr>
               <a:t>Medians: 	ABV = 0.056		IBU = 35</a:t>
             </a:r>
           </a:p>
           <a:p>
             <a:pPr algn="l"/>
             <a:r>
-              <a:rPr lang="en-US" sz="1800" dirty="0"/>
+              <a:rPr lang="en-US" sz="1800" dirty="0">
+                <a:solidFill>
+                  <a:schemeClr val="tx1"/>
+                </a:solidFill>
+              </a:rPr>
               <a:t>Means: 		ABV = 0.059		IBU = 42.71</a:t>
             </a:r>
           </a:p>
           <a:p>
             <a:pPr algn="l"/>
             <a:r>
-              <a:rPr lang="en-US" sz="1800" dirty="0"/>
+              <a:rPr lang="en-US" sz="1800" dirty="0">
+                <a:solidFill>
+                  <a:schemeClr val="tx1"/>
+                </a:solidFill>
+              </a:rPr>
               <a:t>Max: 		ABV = 0.128	 	IBU = 138</a:t>
             </a:r>
           </a:p>
           <a:p>
             <a:pPr algn="l"/>
             <a:r>
-              <a:rPr lang="en-US" sz="1800" dirty="0"/>
+              <a:rPr lang="en-US" sz="1800" dirty="0">
+                <a:solidFill>
+                  <a:schemeClr val="tx1"/>
+                </a:solidFill>
+              </a:rPr>
               <a:t>SD: 			ABV = 0.013		IBU = 25.95</a:t>
             </a:r>
           </a:p>
@@ -27333,46 +27477,6 @@
           </a:p>
         </p:txBody>
       </p:sp>
-      <p:pic>
-        <p:nvPicPr>
-          <p:cNvPr id="4" name="Content Placeholder 3">
-            <a:extLst>
-              <a:ext uri="{FF2B5EF4-FFF2-40B4-BE49-F238E27FC236}">
-                <a16:creationId xmlns:a16="http://schemas.microsoft.com/office/drawing/2014/main" id="{FED7D4E6-0F43-4CAF-AB7B-2864B0577E54}"/>
-              </a:ext>
-            </a:extLst>
-          </p:cNvPr>
-          <p:cNvPicPr>
-            <a:picLocks noGrp="1" noChangeAspect="1"/>
-          </p:cNvPicPr>
-          <p:nvPr>
-            <p:ph idx="1"/>
-          </p:nvPr>
-        </p:nvPicPr>
-        <p:blipFill>
-          <a:blip r:embed="rId3"/>
-          <a:stretch>
-            <a:fillRect/>
-          </a:stretch>
-        </p:blipFill>
-        <p:spPr>
-          <a:xfrm>
-            <a:off x="184364" y="1422841"/>
-            <a:ext cx="5831291" cy="4801204"/>
-          </a:xfrm>
-          <a:prstGeom prst="roundRect">
-            <a:avLst>
-              <a:gd name="adj" fmla="val 3876"/>
-            </a:avLst>
-          </a:prstGeom>
-          <a:ln>
-            <a:solidFill>
-              <a:schemeClr val="accent1"/>
-            </a:solidFill>
-          </a:ln>
-          <a:effectLst/>
-        </p:spPr>
-      </p:pic>
       <p:sp>
         <p:nvSpPr>
           <p:cNvPr id="5" name="TextBox 4">
@@ -27682,6 +27786,36 @@
           </a:p>
         </p:txBody>
       </p:sp>
+      <p:pic>
+        <p:nvPicPr>
+          <p:cNvPr id="9" name="Picture 8">
+            <a:extLst>
+              <a:ext uri="{FF2B5EF4-FFF2-40B4-BE49-F238E27FC236}">
+                <a16:creationId xmlns:a16="http://schemas.microsoft.com/office/drawing/2014/main" id="{174F5796-91DA-4679-B8C4-7DA44FAC1F07}"/>
+              </a:ext>
+            </a:extLst>
+          </p:cNvPr>
+          <p:cNvPicPr>
+            <a:picLocks noChangeAspect="1"/>
+          </p:cNvPicPr>
+          <p:nvPr/>
+        </p:nvPicPr>
+        <p:blipFill>
+          <a:blip r:embed="rId3"/>
+          <a:stretch>
+            <a:fillRect/>
+          </a:stretch>
+        </p:blipFill>
+        <p:spPr>
+          <a:xfrm>
+            <a:off x="111415" y="1337116"/>
+            <a:ext cx="5554831" cy="3428124"/>
+          </a:xfrm>
+          <a:prstGeom prst="rect">
+            <a:avLst/>
+          </a:prstGeom>
+        </p:spPr>
+      </p:pic>
     </p:spTree>
     <p:extLst>
       <p:ext uri="{BB962C8B-B14F-4D97-AF65-F5344CB8AC3E}">
@@ -27989,62 +28123,24 @@
         </p:nvSpPr>
         <p:spPr>
           <a:xfrm>
-            <a:off x="297032" y="348212"/>
-            <a:ext cx="4928787" cy="675943"/>
+            <a:off x="297032" y="329162"/>
+            <a:ext cx="5151268" cy="675943"/>
           </a:xfrm>
         </p:spPr>
         <p:txBody>
           <a:bodyPr anchor="b">
-            <a:normAutofit fontScale="90000"/>
+            <a:noAutofit/>
           </a:bodyPr>
           <a:lstStyle/>
           <a:p>
             <a:pPr algn="ctr"/>
             <a:r>
-              <a:rPr lang="en-US" sz="3200" b="1" dirty="0"/>
+              <a:rPr lang="en-US" sz="3200" dirty="0"/>
               <a:t>IBU - Statewide Comparisons</a:t>
             </a:r>
           </a:p>
         </p:txBody>
       </p:sp>
-      <p:pic>
-        <p:nvPicPr>
-          <p:cNvPr id="4" name="Picture 3">
-            <a:extLst>
-              <a:ext uri="{FF2B5EF4-FFF2-40B4-BE49-F238E27FC236}">
-                <a16:creationId xmlns:a16="http://schemas.microsoft.com/office/drawing/2014/main" id="{1AB3D112-00E0-4663-AC67-3DB800F6CC99}"/>
-              </a:ext>
-            </a:extLst>
-          </p:cNvPr>
-          <p:cNvPicPr>
-            <a:picLocks noChangeAspect="1"/>
-          </p:cNvPicPr>
-          <p:nvPr/>
-        </p:nvPicPr>
-        <p:blipFill>
-          <a:blip r:embed="rId3"/>
-          <a:stretch>
-            <a:fillRect/>
-          </a:stretch>
-        </p:blipFill>
-        <p:spPr>
-          <a:xfrm>
-            <a:off x="297032" y="1422841"/>
-            <a:ext cx="5618671" cy="4251899"/>
-          </a:xfrm>
-          <a:prstGeom prst="roundRect">
-            <a:avLst>
-              <a:gd name="adj" fmla="val 3876"/>
-            </a:avLst>
-          </a:prstGeom>
-          <a:ln>
-            <a:solidFill>
-              <a:schemeClr val="accent1"/>
-            </a:solidFill>
-          </a:ln>
-          <a:effectLst/>
-        </p:spPr>
-      </p:pic>
       <p:sp>
         <p:nvSpPr>
           <p:cNvPr id="3" name="Content Placeholder 2">
@@ -28223,6 +28319,36 @@
           </a:p>
         </p:txBody>
       </p:sp>
+      <p:pic>
+        <p:nvPicPr>
+          <p:cNvPr id="6" name="Picture 5">
+            <a:extLst>
+              <a:ext uri="{FF2B5EF4-FFF2-40B4-BE49-F238E27FC236}">
+                <a16:creationId xmlns:a16="http://schemas.microsoft.com/office/drawing/2014/main" id="{99B3D51C-2972-4FDD-A21A-1327A60AB0EA}"/>
+              </a:ext>
+            </a:extLst>
+          </p:cNvPr>
+          <p:cNvPicPr>
+            <a:picLocks noChangeAspect="1"/>
+          </p:cNvPicPr>
+          <p:nvPr/>
+        </p:nvPicPr>
+        <p:blipFill>
+          <a:blip r:embed="rId3"/>
+          <a:stretch>
+            <a:fillRect/>
+          </a:stretch>
+        </p:blipFill>
+        <p:spPr>
+          <a:xfrm>
+            <a:off x="-1" y="1698513"/>
+            <a:ext cx="5666247" cy="3496884"/>
+          </a:xfrm>
+          <a:prstGeom prst="rect">
+            <a:avLst/>
+          </a:prstGeom>
+        </p:spPr>
+      </p:pic>
     </p:spTree>
     <p:extLst>
       <p:ext uri="{BB962C8B-B14F-4D97-AF65-F5344CB8AC3E}">
